--- a/Progress Screenshots/CalSafe Midterm Presentation.pptx
+++ b/Progress Screenshots/CalSafe Midterm Presentation.pptx
@@ -16,23 +16,24 @@
     <p:sldId id="261" r:id="rId11"/>
     <p:sldId id="262" r:id="rId12"/>
     <p:sldId id="263" r:id="rId13"/>
+    <p:sldId id="264" r:id="rId14"/>
   </p:sldIdLst>
   <p:sldSz cy="5143500" cx="9144000"/>
   <p:notesSz cx="6858000" cy="9144000"/>
   <p:embeddedFontLst>
     <p:embeddedFont>
       <p:font typeface="Montserrat"/>
-      <p:regular r:id="rId14"/>
-      <p:bold r:id="rId15"/>
-      <p:italic r:id="rId16"/>
-      <p:boldItalic r:id="rId17"/>
+      <p:regular r:id="rId15"/>
+      <p:bold r:id="rId16"/>
+      <p:italic r:id="rId17"/>
+      <p:boldItalic r:id="rId18"/>
     </p:embeddedFont>
     <p:embeddedFont>
       <p:font typeface="Lato"/>
-      <p:regular r:id="rId18"/>
-      <p:bold r:id="rId19"/>
-      <p:italic r:id="rId20"/>
-      <p:boldItalic r:id="rId21"/>
+      <p:regular r:id="rId19"/>
+      <p:bold r:id="rId20"/>
+      <p:italic r:id="rId21"/>
+      <p:boldItalic r:id="rId22"/>
     </p:embeddedFont>
   </p:embeddedFontLst>
   <p:defaultTextStyle>
@@ -813,7 +814,7 @@
   <p:cSld>
     <p:spTree>
       <p:nvGrpSpPr>
-        <p:cNvPr id="136" name="Shape 136"/>
+        <p:cNvPr id="137" name="Shape 137"/>
         <p:cNvGrpSpPr/>
         <p:nvPr/>
       </p:nvGrpSpPr>
@@ -827,7 +828,7 @@
       </p:grpSpPr>
       <p:sp>
         <p:nvSpPr>
-          <p:cNvPr id="137" name="Google Shape;137;g2fa56f092c6_0_125:notes"/>
+          <p:cNvPr id="138" name="Google Shape;138;g2fa56f092c6_0_125:notes"/>
           <p:cNvSpPr/>
           <p:nvPr>
             <p:ph idx="2" type="sldImg"/>
@@ -862,7 +863,7 @@
       </p:sp>
       <p:sp>
         <p:nvSpPr>
-          <p:cNvPr id="138" name="Google Shape;138;g2fa56f092c6_0_125:notes"/>
+          <p:cNvPr id="139" name="Google Shape;139;g2fa56f092c6_0_125:notes"/>
           <p:cNvSpPr txBox="1"/>
           <p:nvPr>
             <p:ph idx="1" type="body"/>
@@ -912,7 +913,7 @@
   <p:cSld>
     <p:spTree>
       <p:nvGrpSpPr>
-        <p:cNvPr id="144" name="Shape 144"/>
+        <p:cNvPr id="145" name="Shape 145"/>
         <p:cNvGrpSpPr/>
         <p:nvPr/>
       </p:nvGrpSpPr>
@@ -926,7 +927,7 @@
       </p:grpSpPr>
       <p:sp>
         <p:nvSpPr>
-          <p:cNvPr id="145" name="Google Shape;145;g2fa56f092c6_0_158:notes"/>
+          <p:cNvPr id="146" name="Google Shape;146;g2fa56f092c6_0_158:notes"/>
           <p:cNvSpPr/>
           <p:nvPr>
             <p:ph idx="2" type="sldImg"/>
@@ -961,7 +962,7 @@
       </p:sp>
       <p:sp>
         <p:nvSpPr>
-          <p:cNvPr id="146" name="Google Shape;146;g2fa56f092c6_0_158:notes"/>
+          <p:cNvPr id="147" name="Google Shape;147;g2fa56f092c6_0_158:notes"/>
           <p:cNvSpPr txBox="1"/>
           <p:nvPr>
             <p:ph idx="1" type="body"/>
@@ -1011,7 +1012,7 @@
   <p:cSld>
     <p:spTree>
       <p:nvGrpSpPr>
-        <p:cNvPr id="150" name="Shape 150"/>
+        <p:cNvPr id="151" name="Shape 151"/>
         <p:cNvGrpSpPr/>
         <p:nvPr/>
       </p:nvGrpSpPr>
@@ -1025,7 +1026,7 @@
       </p:grpSpPr>
       <p:sp>
         <p:nvSpPr>
-          <p:cNvPr id="151" name="Google Shape;151;g2fa56f092c6_0_130:notes"/>
+          <p:cNvPr id="152" name="Google Shape;152;g2fa56f092c6_0_130:notes"/>
           <p:cNvSpPr/>
           <p:nvPr>
             <p:ph idx="2" type="sldImg"/>
@@ -1060,7 +1061,7 @@
       </p:sp>
       <p:sp>
         <p:nvSpPr>
-          <p:cNvPr id="152" name="Google Shape;152;g2fa56f092c6_0_130:notes"/>
+          <p:cNvPr id="153" name="Google Shape;153;g2fa56f092c6_0_130:notes"/>
           <p:cNvSpPr txBox="1"/>
           <p:nvPr>
             <p:ph idx="1" type="body"/>
@@ -1110,7 +1111,7 @@
   <p:cSld>
     <p:spTree>
       <p:nvGrpSpPr>
-        <p:cNvPr id="157" name="Shape 157"/>
+        <p:cNvPr id="158" name="Shape 158"/>
         <p:cNvGrpSpPr/>
         <p:nvPr/>
       </p:nvGrpSpPr>
@@ -1124,7 +1125,7 @@
       </p:grpSpPr>
       <p:sp>
         <p:nvSpPr>
-          <p:cNvPr id="158" name="Google Shape;158;g2fa56f092c6_0_135:notes"/>
+          <p:cNvPr id="159" name="Google Shape;159;g2fa56f092c6_0_135:notes"/>
           <p:cNvSpPr/>
           <p:nvPr>
             <p:ph idx="2" type="sldImg"/>
@@ -1159,7 +1160,7 @@
       </p:sp>
       <p:sp>
         <p:nvSpPr>
-          <p:cNvPr id="159" name="Google Shape;159;g2fa56f092c6_0_135:notes"/>
+          <p:cNvPr id="160" name="Google Shape;160;g2fa56f092c6_0_135:notes"/>
           <p:cNvSpPr txBox="1"/>
           <p:nvPr>
             <p:ph idx="1" type="body"/>
@@ -1209,7 +1210,7 @@
   <p:cSld>
     <p:spTree>
       <p:nvGrpSpPr>
-        <p:cNvPr id="165" name="Shape 165"/>
+        <p:cNvPr id="166" name="Shape 166"/>
         <p:cNvGrpSpPr/>
         <p:nvPr/>
       </p:nvGrpSpPr>
@@ -1223,7 +1224,7 @@
       </p:grpSpPr>
       <p:sp>
         <p:nvSpPr>
-          <p:cNvPr id="166" name="Google Shape;166;g2fa56f092c6_0_165:notes"/>
+          <p:cNvPr id="167" name="Google Shape;167;g2fa56f092c6_0_165:notes"/>
           <p:cNvSpPr/>
           <p:nvPr>
             <p:ph idx="2" type="sldImg"/>
@@ -1258,7 +1259,7 @@
       </p:sp>
       <p:sp>
         <p:nvSpPr>
-          <p:cNvPr id="167" name="Google Shape;167;g2fa56f092c6_0_165:notes"/>
+          <p:cNvPr id="168" name="Google Shape;168;g2fa56f092c6_0_165:notes"/>
           <p:cNvSpPr txBox="1"/>
           <p:nvPr>
             <p:ph idx="1" type="body"/>
@@ -1308,7 +1309,7 @@
   <p:cSld>
     <p:spTree>
       <p:nvGrpSpPr>
-        <p:cNvPr id="173" name="Shape 173"/>
+        <p:cNvPr id="174" name="Shape 174"/>
         <p:cNvGrpSpPr/>
         <p:nvPr/>
       </p:nvGrpSpPr>
@@ -1322,7 +1323,7 @@
       </p:grpSpPr>
       <p:sp>
         <p:nvSpPr>
-          <p:cNvPr id="174" name="Google Shape;174;g2fa56f092c6_0_140:notes"/>
+          <p:cNvPr id="175" name="Google Shape;175;g30b00106dbf_0_0:notes"/>
           <p:cNvSpPr/>
           <p:nvPr>
             <p:ph idx="2" type="sldImg"/>
@@ -1357,7 +1358,7 @@
       </p:sp>
       <p:sp>
         <p:nvSpPr>
-          <p:cNvPr id="175" name="Google Shape;175;g2fa56f092c6_0_140:notes"/>
+          <p:cNvPr id="176" name="Google Shape;176;g30b00106dbf_0_0:notes"/>
           <p:cNvSpPr txBox="1"/>
           <p:nvPr>
             <p:ph idx="1" type="body"/>
@@ -1407,7 +1408,7 @@
   <p:cSld>
     <p:spTree>
       <p:nvGrpSpPr>
-        <p:cNvPr id="179" name="Shape 179"/>
+        <p:cNvPr id="180" name="Shape 180"/>
         <p:cNvGrpSpPr/>
         <p:nvPr/>
       </p:nvGrpSpPr>
@@ -1421,7 +1422,7 @@
       </p:grpSpPr>
       <p:sp>
         <p:nvSpPr>
-          <p:cNvPr id="180" name="Google Shape;180;g2fa56f092c6_0_150:notes"/>
+          <p:cNvPr id="181" name="Google Shape;181;g2fa56f092c6_0_140:notes"/>
           <p:cNvSpPr/>
           <p:nvPr>
             <p:ph idx="2" type="sldImg"/>
@@ -1456,7 +1457,106 @@
       </p:sp>
       <p:sp>
         <p:nvSpPr>
-          <p:cNvPr id="181" name="Google Shape;181;g2fa56f092c6_0_150:notes"/>
+          <p:cNvPr id="182" name="Google Shape;182;g2fa56f092c6_0_140:notes"/>
+          <p:cNvSpPr txBox="1"/>
+          <p:nvPr>
+            <p:ph idx="1" type="body"/>
+          </p:nvPr>
+        </p:nvSpPr>
+        <p:spPr>
+          <a:xfrm>
+            <a:off x="685800" y="4343400"/>
+            <a:ext cx="5486400" cy="4114800"/>
+          </a:xfrm>
+          <a:prstGeom prst="rect">
+            <a:avLst/>
+          </a:prstGeom>
+        </p:spPr>
+        <p:txBody>
+          <a:bodyPr anchorCtr="0" anchor="t" bIns="91425" lIns="91425" spcFirstLastPara="1" rIns="91425" wrap="square" tIns="91425">
+            <a:noAutofit/>
+          </a:bodyPr>
+          <a:lstStyle/>
+          <a:p>
+            <a:pPr indent="0" lvl="0" marL="0" rtl="0" algn="l">
+              <a:spcBef>
+                <a:spcPts val="0"/>
+              </a:spcBef>
+              <a:spcAft>
+                <a:spcPts val="0"/>
+              </a:spcAft>
+              <a:buNone/>
+            </a:pPr>
+            <a:r>
+              <a:t/>
+            </a:r>
+            <a:endParaRPr/>
+          </a:p>
+        </p:txBody>
+      </p:sp>
+    </p:spTree>
+  </p:cSld>
+  <p:clrMapOvr>
+    <a:masterClrMapping/>
+  </p:clrMapOvr>
+</p:notes>
+</file>
+
+<file path=ppt/notesSlides/notesSlide9.xml><?xml version="1.0" encoding="utf-8"?>
+<p:notes xmlns:a="http://schemas.openxmlformats.org/drawingml/2006/main" xmlns:r="http://schemas.openxmlformats.org/officeDocument/2006/relationships" xmlns:mc="http://schemas.openxmlformats.org/markup-compatibility/2006" xmlns:mv="urn:schemas-microsoft-com:mac:vml" xmlns:p="http://schemas.openxmlformats.org/presentationml/2006/main" xmlns:c="http://schemas.openxmlformats.org/drawingml/2006/chart" xmlns:dgm="http://schemas.openxmlformats.org/drawingml/2006/diagram" xmlns:o="urn:schemas-microsoft-com:office:office" xmlns:v="urn:schemas-microsoft-com:vml" xmlns:pvml="urn:schemas-microsoft-com:office:powerpoint" xmlns:com="http://schemas.openxmlformats.org/drawingml/2006/compatibility" xmlns:p14="http://schemas.microsoft.com/office/powerpoint/2010/main" xmlns:p15="http://schemas.microsoft.com/office/powerpoint/2012/main" xmlns:ahyp="http://schemas.microsoft.com/office/drawing/2018/hyperlinkcolor" showMasterPhAnim="0" showMasterSp="0">
+  <p:cSld>
+    <p:spTree>
+      <p:nvGrpSpPr>
+        <p:cNvPr id="186" name="Shape 186"/>
+        <p:cNvGrpSpPr/>
+        <p:nvPr/>
+      </p:nvGrpSpPr>
+      <p:grpSpPr>
+        <a:xfrm>
+          <a:off x="0" y="0"/>
+          <a:ext cx="0" cy="0"/>
+          <a:chOff x="0" y="0"/>
+          <a:chExt cx="0" cy="0"/>
+        </a:xfrm>
+      </p:grpSpPr>
+      <p:sp>
+        <p:nvSpPr>
+          <p:cNvPr id="187" name="Google Shape;187;g2fa56f092c6_0_150:notes"/>
+          <p:cNvSpPr/>
+          <p:nvPr>
+            <p:ph idx="2" type="sldImg"/>
+          </p:nvPr>
+        </p:nvSpPr>
+        <p:spPr>
+          <a:xfrm>
+            <a:off x="381300" y="685800"/>
+            <a:ext cx="6096000" cy="3429000"/>
+          </a:xfrm>
+          <a:custGeom>
+            <a:rect b="b" l="l" r="r" t="t"/>
+            <a:pathLst>
+              <a:path extrusionOk="0" h="120000" w="120000">
+                <a:moveTo>
+                  <a:pt x="0" y="0"/>
+                </a:moveTo>
+                <a:lnTo>
+                  <a:pt x="120000" y="0"/>
+                </a:lnTo>
+                <a:lnTo>
+                  <a:pt x="120000" y="120000"/>
+                </a:lnTo>
+                <a:lnTo>
+                  <a:pt x="0" y="120000"/>
+                </a:lnTo>
+                <a:close/>
+              </a:path>
+            </a:pathLst>
+          </a:custGeom>
+        </p:spPr>
+      </p:sp>
+      <p:sp>
+        <p:nvSpPr>
+          <p:cNvPr id="188" name="Google Shape;188;g2fa56f092c6_0_150:notes"/>
           <p:cNvSpPr txBox="1"/>
           <p:nvPr>
             <p:ph idx="1" type="body"/>
@@ -9781,6 +9881,167 @@
           </a:p>
         </p:txBody>
       </p:sp>
+      <p:sp>
+        <p:nvSpPr>
+          <p:cNvPr id="136" name="Google Shape;136;p13"/>
+          <p:cNvSpPr txBox="1"/>
+          <p:nvPr/>
+        </p:nvSpPr>
+        <p:spPr>
+          <a:xfrm>
+            <a:off x="0" y="4643150"/>
+            <a:ext cx="8620800" cy="400200"/>
+          </a:xfrm>
+          <a:prstGeom prst="rect">
+            <a:avLst/>
+          </a:prstGeom>
+          <a:noFill/>
+          <a:ln>
+            <a:noFill/>
+          </a:ln>
+        </p:spPr>
+        <p:txBody>
+          <a:bodyPr anchorCtr="0" anchor="t" bIns="91425" lIns="91425" spcFirstLastPara="1" rIns="91425" wrap="square" tIns="91425">
+            <a:noAutofit/>
+          </a:bodyPr>
+          <a:lstStyle/>
+          <a:p>
+            <a:pPr indent="0" lvl="0" marL="0" rtl="0" algn="l">
+              <a:spcBef>
+                <a:spcPts val="0"/>
+              </a:spcBef>
+              <a:spcAft>
+                <a:spcPts val="0"/>
+              </a:spcAft>
+              <a:buNone/>
+            </a:pPr>
+            <a:r>
+              <a:rPr lang="en" sz="1300" u="sng">
+                <a:solidFill>
+                  <a:schemeClr val="hlink"/>
+                </a:solidFill>
+                <a:latin typeface="Lato"/>
+                <a:ea typeface="Lato"/>
+                <a:cs typeface="Lato"/>
+                <a:sym typeface="Lato"/>
+                <a:hlinkClick r:id="rId3"/>
+              </a:rPr>
+              <a:t>https://github.com/Cloudymizu/calsafe</a:t>
+            </a:r>
+            <a:endParaRPr sz="1300">
+              <a:solidFill>
+                <a:schemeClr val="lt1"/>
+              </a:solidFill>
+              <a:latin typeface="Lato"/>
+              <a:ea typeface="Lato"/>
+              <a:cs typeface="Lato"/>
+              <a:sym typeface="Lato"/>
+            </a:endParaRPr>
+          </a:p>
+          <a:p>
+            <a:pPr indent="0" lvl="0" marL="0" rtl="0" algn="l">
+              <a:spcBef>
+                <a:spcPts val="0"/>
+              </a:spcBef>
+              <a:spcAft>
+                <a:spcPts val="0"/>
+              </a:spcAft>
+              <a:buNone/>
+            </a:pPr>
+            <a:r>
+              <a:rPr lang="en" sz="1300" u="sng">
+                <a:solidFill>
+                  <a:schemeClr val="hlink"/>
+                </a:solidFill>
+                <a:latin typeface="Lato"/>
+                <a:ea typeface="Lato"/>
+                <a:cs typeface="Lato"/>
+                <a:sym typeface="Lato"/>
+                <a:hlinkClick r:id="rId4"/>
+              </a:rPr>
+              <a:t>https://docs.google.com/document/d/1896Gf45tXzr1Rcto8DcmjLDHqkc2dWb_qhqDmag8bJ8/edit?usp=sharing</a:t>
+            </a:r>
+            <a:endParaRPr sz="1300">
+              <a:solidFill>
+                <a:schemeClr val="lt1"/>
+              </a:solidFill>
+              <a:latin typeface="Lato"/>
+              <a:ea typeface="Lato"/>
+              <a:cs typeface="Lato"/>
+              <a:sym typeface="Lato"/>
+            </a:endParaRPr>
+          </a:p>
+          <a:p>
+            <a:pPr indent="0" lvl="0" marL="0" rtl="0" algn="l">
+              <a:spcBef>
+                <a:spcPts val="0"/>
+              </a:spcBef>
+              <a:spcAft>
+                <a:spcPts val="0"/>
+              </a:spcAft>
+              <a:buNone/>
+            </a:pPr>
+            <a:r>
+              <a:t/>
+            </a:r>
+            <a:endParaRPr sz="1300">
+              <a:solidFill>
+                <a:schemeClr val="lt1"/>
+              </a:solidFill>
+              <a:latin typeface="Lato"/>
+              <a:ea typeface="Lato"/>
+              <a:cs typeface="Lato"/>
+              <a:sym typeface="Lato"/>
+            </a:endParaRPr>
+          </a:p>
+          <a:p>
+            <a:pPr indent="0" lvl="0" marL="0" rtl="0" algn="l">
+              <a:spcBef>
+                <a:spcPts val="0"/>
+              </a:spcBef>
+              <a:spcAft>
+                <a:spcPts val="0"/>
+              </a:spcAft>
+              <a:buNone/>
+            </a:pPr>
+            <a:r>
+              <a:t/>
+            </a:r>
+            <a:endParaRPr sz="1300">
+              <a:solidFill>
+                <a:schemeClr val="lt1"/>
+              </a:solidFill>
+              <a:latin typeface="Lato"/>
+              <a:ea typeface="Lato"/>
+              <a:cs typeface="Lato"/>
+              <a:sym typeface="Lato"/>
+            </a:endParaRPr>
+          </a:p>
+          <a:p>
+            <a:pPr indent="0" lvl="0" marL="0" rtl="0" algn="l">
+              <a:spcBef>
+                <a:spcPts val="0"/>
+              </a:spcBef>
+              <a:spcAft>
+                <a:spcPts val="0"/>
+              </a:spcAft>
+              <a:buNone/>
+            </a:pPr>
+            <a:r>
+              <a:t/>
+            </a:r>
+            <a:endParaRPr sz="1300">
+              <a:solidFill>
+                <a:schemeClr val="lt1"/>
+              </a:solidFill>
+              <a:latin typeface="Lato"/>
+              <a:ea typeface="Lato"/>
+              <a:cs typeface="Lato"/>
+              <a:sym typeface="Lato"/>
+            </a:endParaRPr>
+          </a:p>
+        </p:txBody>
+      </p:sp>
     </p:spTree>
   </p:cSld>
   <p:clrMapOvr>
@@ -9794,7 +10055,7 @@
   <p:cSld>
     <p:spTree>
       <p:nvGrpSpPr>
-        <p:cNvPr id="139" name="Shape 139"/>
+        <p:cNvPr id="140" name="Shape 140"/>
         <p:cNvGrpSpPr/>
         <p:nvPr/>
       </p:nvGrpSpPr>
@@ -9808,7 +10069,7 @@
       </p:grpSpPr>
       <p:sp>
         <p:nvSpPr>
-          <p:cNvPr id="140" name="Google Shape;140;p14"/>
+          <p:cNvPr id="141" name="Google Shape;141;p14"/>
           <p:cNvSpPr txBox="1"/>
           <p:nvPr>
             <p:ph type="title"/>
@@ -9848,7 +10109,7 @@
       </p:sp>
       <p:sp>
         <p:nvSpPr>
-          <p:cNvPr id="141" name="Google Shape;141;p14"/>
+          <p:cNvPr id="142" name="Google Shape;142;p14"/>
           <p:cNvSpPr txBox="1"/>
           <p:nvPr>
             <p:ph idx="1" type="body"/>
@@ -9870,6 +10131,9 @@
           <a:lstStyle/>
           <a:p>
             <a:pPr indent="-311150" lvl="0" marL="457200" rtl="0" algn="l">
+              <a:lnSpc>
+                <a:spcPct val="115000"/>
+              </a:lnSpc>
               <a:spcBef>
                 <a:spcPts val="0"/>
               </a:spcBef>
@@ -9886,15 +10150,18 @@
             <a:endParaRPr/>
           </a:p>
           <a:p>
-            <a:pPr indent="-311150" lvl="0" marL="457200" rtl="0" algn="l">
-              <a:spcBef>
-                <a:spcPts val="0"/>
-              </a:spcBef>
-              <a:spcAft>
-                <a:spcPts val="0"/>
-              </a:spcAft>
-              <a:buSzPts val="1300"/>
-              <a:buChar char="●"/>
+            <a:pPr indent="-298450" lvl="1" marL="914400" rtl="0" algn="l">
+              <a:lnSpc>
+                <a:spcPct val="115000"/>
+              </a:lnSpc>
+              <a:spcBef>
+                <a:spcPts val="0"/>
+              </a:spcBef>
+              <a:spcAft>
+                <a:spcPts val="0"/>
+              </a:spcAft>
+              <a:buSzPts val="1100"/>
+              <a:buChar char="○"/>
             </a:pPr>
             <a:r>
               <a:rPr lang="en"/>
@@ -9904,6 +10171,9 @@
           </a:p>
           <a:p>
             <a:pPr indent="-311150" lvl="0" marL="457200" rtl="0" algn="l">
+              <a:lnSpc>
+                <a:spcPct val="115000"/>
+              </a:lnSpc>
               <a:spcBef>
                 <a:spcPts val="0"/>
               </a:spcBef>
@@ -9920,15 +10190,18 @@
             <a:endParaRPr/>
           </a:p>
           <a:p>
-            <a:pPr indent="-311150" lvl="0" marL="457200" rtl="0" algn="l">
-              <a:spcBef>
-                <a:spcPts val="0"/>
-              </a:spcBef>
-              <a:spcAft>
-                <a:spcPts val="0"/>
-              </a:spcAft>
-              <a:buSzPts val="1300"/>
-              <a:buChar char="●"/>
+            <a:pPr indent="-298450" lvl="1" marL="914400" rtl="0" algn="l">
+              <a:lnSpc>
+                <a:spcPct val="115000"/>
+              </a:lnSpc>
+              <a:spcBef>
+                <a:spcPts val="0"/>
+              </a:spcBef>
+              <a:spcAft>
+                <a:spcPts val="0"/>
+              </a:spcAft>
+              <a:buSzPts val="1100"/>
+              <a:buChar char="○"/>
             </a:pPr>
             <a:r>
               <a:rPr lang="en"/>
@@ -9945,15 +10218,18 @@
             <a:endParaRPr/>
           </a:p>
           <a:p>
-            <a:pPr indent="-311150" lvl="0" marL="457200" rtl="0" algn="l">
-              <a:spcBef>
-                <a:spcPts val="0"/>
-              </a:spcBef>
-              <a:spcAft>
-                <a:spcPts val="0"/>
-              </a:spcAft>
-              <a:buSzPts val="1300"/>
-              <a:buChar char="●"/>
+            <a:pPr indent="-298450" lvl="1" marL="914400" rtl="0" algn="l">
+              <a:lnSpc>
+                <a:spcPct val="115000"/>
+              </a:lnSpc>
+              <a:spcBef>
+                <a:spcPts val="0"/>
+              </a:spcBef>
+              <a:spcAft>
+                <a:spcPts val="0"/>
+              </a:spcAft>
+              <a:buSzPts val="1100"/>
+              <a:buChar char="○"/>
             </a:pPr>
             <a:r>
               <a:rPr lang="en"/>
@@ -9963,6 +10239,9 @@
           </a:p>
           <a:p>
             <a:pPr indent="-311150" lvl="0" marL="457200" rtl="0" algn="l">
+              <a:lnSpc>
+                <a:spcPct val="115000"/>
+              </a:lnSpc>
               <a:spcBef>
                 <a:spcPts val="0"/>
               </a:spcBef>
@@ -9982,7 +10261,7 @@
       </p:sp>
       <p:pic>
         <p:nvPicPr>
-          <p:cNvPr id="142" name="Google Shape;142;p14"/>
+          <p:cNvPr id="143" name="Google Shape;143;p14"/>
           <p:cNvPicPr preferRelativeResize="0"/>
           <p:nvPr/>
         </p:nvPicPr>
@@ -10010,7 +10289,7 @@
       </p:pic>
       <p:sp>
         <p:nvSpPr>
-          <p:cNvPr id="143" name="Google Shape;143;p14"/>
+          <p:cNvPr id="144" name="Google Shape;144;p14"/>
           <p:cNvSpPr txBox="1"/>
           <p:nvPr/>
         </p:nvSpPr>
@@ -10079,7 +10358,7 @@
   <p:cSld>
     <p:spTree>
       <p:nvGrpSpPr>
-        <p:cNvPr id="147" name="Shape 147"/>
+        <p:cNvPr id="148" name="Shape 148"/>
         <p:cNvGrpSpPr/>
         <p:nvPr/>
       </p:nvGrpSpPr>
@@ -10093,7 +10372,7 @@
       </p:grpSpPr>
       <p:sp>
         <p:nvSpPr>
-          <p:cNvPr id="148" name="Google Shape;148;p15"/>
+          <p:cNvPr id="149" name="Google Shape;149;p15"/>
           <p:cNvSpPr txBox="1"/>
           <p:nvPr>
             <p:ph type="title"/>
@@ -10133,7 +10412,7 @@
       </p:sp>
       <p:sp>
         <p:nvSpPr>
-          <p:cNvPr id="149" name="Google Shape;149;p15"/>
+          <p:cNvPr id="150" name="Google Shape;150;p15"/>
           <p:cNvSpPr txBox="1"/>
           <p:nvPr>
             <p:ph idx="1" type="body"/>
@@ -10287,7 +10566,7 @@
   <p:cSld>
     <p:spTree>
       <p:nvGrpSpPr>
-        <p:cNvPr id="153" name="Shape 153"/>
+        <p:cNvPr id="154" name="Shape 154"/>
         <p:cNvGrpSpPr/>
         <p:nvPr/>
       </p:nvGrpSpPr>
@@ -10301,7 +10580,7 @@
       </p:grpSpPr>
       <p:sp>
         <p:nvSpPr>
-          <p:cNvPr id="154" name="Google Shape;154;p16"/>
+          <p:cNvPr id="155" name="Google Shape;155;p16"/>
           <p:cNvSpPr txBox="1"/>
           <p:nvPr>
             <p:ph type="title"/>
@@ -10341,7 +10620,7 @@
       </p:sp>
       <p:sp>
         <p:nvSpPr>
-          <p:cNvPr id="155" name="Google Shape;155;p16"/>
+          <p:cNvPr id="156" name="Google Shape;156;p16"/>
           <p:cNvSpPr txBox="1"/>
           <p:nvPr>
             <p:ph idx="1" type="body"/>
@@ -10391,7 +10670,7 @@
             </a:pPr>
             <a:r>
               <a:rPr lang="en"/>
-              <a:t>Next.JS</a:t>
+              <a:t>Next.JS (based on React)</a:t>
             </a:r>
             <a:endParaRPr/>
           </a:p>
@@ -10601,7 +10880,7 @@
       </p:sp>
       <p:pic>
         <p:nvPicPr>
-          <p:cNvPr id="156" name="Google Shape;156;p16"/>
+          <p:cNvPr id="157" name="Google Shape;157;p16"/>
           <p:cNvPicPr preferRelativeResize="0"/>
           <p:nvPr/>
         </p:nvPicPr>
@@ -10640,7 +10919,7 @@
   <p:cSld>
     <p:spTree>
       <p:nvGrpSpPr>
-        <p:cNvPr id="160" name="Shape 160"/>
+        <p:cNvPr id="161" name="Shape 161"/>
         <p:cNvGrpSpPr/>
         <p:nvPr/>
       </p:nvGrpSpPr>
@@ -10654,7 +10933,7 @@
       </p:grpSpPr>
       <p:sp>
         <p:nvSpPr>
-          <p:cNvPr id="161" name="Google Shape;161;p17"/>
+          <p:cNvPr id="162" name="Google Shape;162;p17"/>
           <p:cNvSpPr txBox="1"/>
           <p:nvPr>
             <p:ph type="title"/>
@@ -10694,7 +10973,7 @@
       </p:sp>
       <p:sp>
         <p:nvSpPr>
-          <p:cNvPr id="162" name="Google Shape;162;p17"/>
+          <p:cNvPr id="163" name="Google Shape;163;p17"/>
           <p:cNvSpPr txBox="1"/>
           <p:nvPr>
             <p:ph idx="1" type="body"/>
@@ -10738,7 +11017,7 @@
       </p:sp>
       <p:pic>
         <p:nvPicPr>
-          <p:cNvPr id="163" name="Google Shape;163;p17"/>
+          <p:cNvPr id="164" name="Google Shape;164;p17"/>
           <p:cNvPicPr preferRelativeResize="0"/>
           <p:nvPr/>
         </p:nvPicPr>
@@ -10766,7 +11045,7 @@
       </p:pic>
       <p:pic>
         <p:nvPicPr>
-          <p:cNvPr id="164" name="Google Shape;164;p17"/>
+          <p:cNvPr id="165" name="Google Shape;165;p17"/>
           <p:cNvPicPr preferRelativeResize="0"/>
           <p:nvPr/>
         </p:nvPicPr>
@@ -10805,7 +11084,7 @@
   <p:cSld>
     <p:spTree>
       <p:nvGrpSpPr>
-        <p:cNvPr id="168" name="Shape 168"/>
+        <p:cNvPr id="169" name="Shape 169"/>
         <p:cNvGrpSpPr/>
         <p:nvPr/>
       </p:nvGrpSpPr>
@@ -10819,7 +11098,7 @@
       </p:grpSpPr>
       <p:sp>
         <p:nvSpPr>
-          <p:cNvPr id="169" name="Google Shape;169;p18"/>
+          <p:cNvPr id="170" name="Google Shape;170;p18"/>
           <p:cNvSpPr txBox="1"/>
           <p:nvPr>
             <p:ph type="title"/>
@@ -10859,7 +11138,7 @@
       </p:sp>
       <p:sp>
         <p:nvSpPr>
-          <p:cNvPr id="170" name="Google Shape;170;p18"/>
+          <p:cNvPr id="171" name="Google Shape;171;p18"/>
           <p:cNvSpPr txBox="1"/>
           <p:nvPr>
             <p:ph idx="1" type="body"/>
@@ -10900,7 +11179,7 @@
       </p:sp>
       <p:pic>
         <p:nvPicPr>
-          <p:cNvPr id="171" name="Google Shape;171;p18"/>
+          <p:cNvPr id="172" name="Google Shape;172;p18"/>
           <p:cNvPicPr preferRelativeResize="0"/>
           <p:nvPr/>
         </p:nvPicPr>
@@ -10928,7 +11207,7 @@
       </p:pic>
       <p:pic>
         <p:nvPicPr>
-          <p:cNvPr id="172" name="Google Shape;172;p18"/>
+          <p:cNvPr id="173" name="Google Shape;173;p18"/>
           <p:cNvPicPr preferRelativeResize="0"/>
           <p:nvPr/>
         </p:nvPicPr>
@@ -10967,7 +11246,7 @@
   <p:cSld>
     <p:spTree>
       <p:nvGrpSpPr>
-        <p:cNvPr id="176" name="Shape 176"/>
+        <p:cNvPr id="177" name="Shape 177"/>
         <p:cNvGrpSpPr/>
         <p:nvPr/>
       </p:nvGrpSpPr>
@@ -10981,7 +11260,7 @@
       </p:grpSpPr>
       <p:sp>
         <p:nvSpPr>
-          <p:cNvPr id="177" name="Google Shape;177;p19"/>
+          <p:cNvPr id="178" name="Google Shape;178;p19"/>
           <p:cNvSpPr txBox="1"/>
           <p:nvPr>
             <p:ph type="title"/>
@@ -11013,7 +11292,7 @@
             </a:pPr>
             <a:r>
               <a:rPr lang="en"/>
-              <a:t>Remaining Tasks to Finish</a:t>
+              <a:t>Summary of Tasks Finished</a:t>
             </a:r>
             <a:endParaRPr/>
           </a:p>
@@ -11021,7 +11300,7 @@
       </p:sp>
       <p:sp>
         <p:nvSpPr>
-          <p:cNvPr id="178" name="Google Shape;178;p19"/>
+          <p:cNvPr id="179" name="Google Shape;179;p19"/>
           <p:cNvSpPr txBox="1"/>
           <p:nvPr>
             <p:ph idx="1" type="body"/>
@@ -11054,41 +11333,7 @@
             </a:pPr>
             <a:r>
               <a:rPr lang="en"/>
-              <a:t>Link Query Results to Map</a:t>
-            </a:r>
-            <a:endParaRPr/>
-          </a:p>
-          <a:p>
-            <a:pPr indent="-298450" lvl="1" marL="914400" rtl="0" algn="l">
-              <a:spcBef>
-                <a:spcPts val="0"/>
-              </a:spcBef>
-              <a:spcAft>
-                <a:spcPts val="0"/>
-              </a:spcAft>
-              <a:buSzPts val="1100"/>
-              <a:buChar char="○"/>
-            </a:pPr>
-            <a:r>
-              <a:rPr lang="en"/>
-              <a:t>Make every point on the map display crash information</a:t>
-            </a:r>
-            <a:endParaRPr/>
-          </a:p>
-          <a:p>
-            <a:pPr indent="-298450" lvl="1" marL="914400" rtl="0" algn="l">
-              <a:spcBef>
-                <a:spcPts val="0"/>
-              </a:spcBef>
-              <a:spcAft>
-                <a:spcPts val="0"/>
-              </a:spcAft>
-              <a:buSzPts val="1100"/>
-              <a:buChar char="○"/>
-            </a:pPr>
-            <a:r>
-              <a:rPr lang="en"/>
-              <a:t>Implement more advanced filtering</a:t>
+              <a:t>Database Setup</a:t>
             </a:r>
             <a:endParaRPr/>
           </a:p>
@@ -11105,41 +11350,7 @@
             </a:pPr>
             <a:r>
               <a:rPr lang="en"/>
-              <a:t>Statistics Page</a:t>
-            </a:r>
-            <a:endParaRPr/>
-          </a:p>
-          <a:p>
-            <a:pPr indent="-298450" lvl="1" marL="914400" rtl="0" algn="l">
-              <a:spcBef>
-                <a:spcPts val="0"/>
-              </a:spcBef>
-              <a:spcAft>
-                <a:spcPts val="0"/>
-              </a:spcAft>
-              <a:buSzPts val="1100"/>
-              <a:buChar char="○"/>
-            </a:pPr>
-            <a:r>
-              <a:rPr lang="en"/>
-              <a:t>Display general statistics according to query dates, location, additional filters.</a:t>
-            </a:r>
-            <a:endParaRPr/>
-          </a:p>
-          <a:p>
-            <a:pPr indent="-298450" lvl="1" marL="914400" rtl="0" algn="l">
-              <a:spcBef>
-                <a:spcPts val="0"/>
-              </a:spcBef>
-              <a:spcAft>
-                <a:spcPts val="0"/>
-              </a:spcAft>
-              <a:buSzPts val="1100"/>
-              <a:buChar char="○"/>
-            </a:pPr>
-            <a:r>
-              <a:rPr lang="en"/>
-              <a:t>Composed of Graphs and basic statistical analysis and trends</a:t>
+              <a:t>Database Population</a:t>
             </a:r>
             <a:endParaRPr/>
           </a:p>
@@ -11156,24 +11367,7 @@
             </a:pPr>
             <a:r>
               <a:rPr lang="en"/>
-              <a:t>AI Prediction</a:t>
-            </a:r>
-            <a:endParaRPr/>
-          </a:p>
-          <a:p>
-            <a:pPr indent="-298450" lvl="1" marL="914400" rtl="0" algn="l">
-              <a:spcBef>
-                <a:spcPts val="0"/>
-              </a:spcBef>
-              <a:spcAft>
-                <a:spcPts val="0"/>
-              </a:spcAft>
-              <a:buSzPts val="1100"/>
-              <a:buChar char="○"/>
-            </a:pPr>
-            <a:r>
-              <a:rPr lang="en"/>
-              <a:t>Use machine learning for future trend prediction</a:t>
+              <a:t>Data Cleaning</a:t>
             </a:r>
             <a:endParaRPr/>
           </a:p>
@@ -11190,32 +11384,75 @@
             </a:pPr>
             <a:r>
               <a:rPr lang="en"/>
-              <a:t>Clean, Tidy, Informative </a:t>
-            </a:r>
-            <a:r>
-              <a:rPr lang="en"/>
-              <a:t>Web Page</a:t>
-            </a:r>
-            <a:r>
-              <a:rPr lang="en"/>
-              <a:t> design </a:t>
+              <a:t>Backend Setup</a:t>
             </a:r>
             <a:endParaRPr/>
           </a:p>
           <a:p>
-            <a:pPr indent="-298450" lvl="1" marL="914400" rtl="0" algn="l">
-              <a:spcBef>
-                <a:spcPts val="0"/>
-              </a:spcBef>
-              <a:spcAft>
-                <a:spcPts val="0"/>
-              </a:spcAft>
-              <a:buSzPts val="1100"/>
-              <a:buChar char="○"/>
+            <a:pPr indent="-311150" lvl="0" marL="457200" rtl="0" algn="l">
+              <a:spcBef>
+                <a:spcPts val="0"/>
+              </a:spcBef>
+              <a:spcAft>
+                <a:spcPts val="0"/>
+              </a:spcAft>
+              <a:buSzPts val="1300"/>
+              <a:buChar char="●"/>
             </a:pPr>
             <a:r>
               <a:rPr lang="en"/>
-              <a:t>Make the website look presentable and easy to use</a:t>
+              <a:t>Frontend Setup</a:t>
+            </a:r>
+            <a:endParaRPr/>
+          </a:p>
+          <a:p>
+            <a:pPr indent="-311150" lvl="0" marL="457200" rtl="0" algn="l">
+              <a:spcBef>
+                <a:spcPts val="0"/>
+              </a:spcBef>
+              <a:spcAft>
+                <a:spcPts val="0"/>
+              </a:spcAft>
+              <a:buSzPts val="1300"/>
+              <a:buChar char="●"/>
+            </a:pPr>
+            <a:r>
+              <a:rPr lang="en"/>
+              <a:t>Map Setup</a:t>
+            </a:r>
+            <a:endParaRPr/>
+          </a:p>
+          <a:p>
+            <a:pPr indent="-311150" lvl="0" marL="457200" rtl="0" algn="l">
+              <a:spcBef>
+                <a:spcPts val="0"/>
+              </a:spcBef>
+              <a:spcAft>
+                <a:spcPts val="0"/>
+              </a:spcAft>
+              <a:buSzPts val="1300"/>
+              <a:buChar char="●"/>
+            </a:pPr>
+            <a:r>
+              <a:rPr lang="en"/>
+              <a:t>Query Setup</a:t>
+            </a:r>
+            <a:endParaRPr/>
+          </a:p>
+          <a:p>
+            <a:pPr indent="-311150" lvl="0" marL="457200" rtl="0" algn="l">
+              <a:spcBef>
+                <a:spcPts val="0"/>
+              </a:spcBef>
+              <a:spcAft>
+                <a:spcPts val="0"/>
+              </a:spcAft>
+              <a:buSzPts val="1300"/>
+              <a:buChar char="●"/>
+            </a:pPr>
+            <a:r>
+              <a:rPr lang="en"/>
+              <a:t>API</a:t>
             </a:r>
             <a:endParaRPr/>
           </a:p>
@@ -11234,7 +11471,7 @@
   <p:cSld>
     <p:spTree>
       <p:nvGrpSpPr>
-        <p:cNvPr id="182" name="Shape 182"/>
+        <p:cNvPr id="183" name="Shape 183"/>
         <p:cNvGrpSpPr/>
         <p:nvPr/>
       </p:nvGrpSpPr>
@@ -11248,7 +11485,349 @@
       </p:grpSpPr>
       <p:sp>
         <p:nvSpPr>
-          <p:cNvPr id="183" name="Google Shape;183;p20"/>
+          <p:cNvPr id="184" name="Google Shape;184;p20"/>
+          <p:cNvSpPr txBox="1"/>
+          <p:nvPr>
+            <p:ph type="title"/>
+          </p:nvPr>
+        </p:nvSpPr>
+        <p:spPr>
+          <a:xfrm>
+            <a:off x="1297500" y="393750"/>
+            <a:ext cx="7038900" cy="914100"/>
+          </a:xfrm>
+          <a:prstGeom prst="rect">
+            <a:avLst/>
+          </a:prstGeom>
+        </p:spPr>
+        <p:txBody>
+          <a:bodyPr anchorCtr="0" anchor="t" bIns="91425" lIns="91425" spcFirstLastPara="1" rIns="91425" wrap="square" tIns="91425">
+            <a:normAutofit/>
+          </a:bodyPr>
+          <a:lstStyle/>
+          <a:p>
+            <a:pPr indent="0" lvl="0" marL="0" rtl="0" algn="l">
+              <a:spcBef>
+                <a:spcPts val="0"/>
+              </a:spcBef>
+              <a:spcAft>
+                <a:spcPts val="0"/>
+              </a:spcAft>
+              <a:buNone/>
+            </a:pPr>
+            <a:r>
+              <a:rPr lang="en"/>
+              <a:t>Remaining Tasks to Finish</a:t>
+            </a:r>
+            <a:endParaRPr/>
+          </a:p>
+        </p:txBody>
+      </p:sp>
+      <p:sp>
+        <p:nvSpPr>
+          <p:cNvPr id="185" name="Google Shape;185;p20"/>
+          <p:cNvSpPr txBox="1"/>
+          <p:nvPr>
+            <p:ph idx="1" type="body"/>
+          </p:nvPr>
+        </p:nvSpPr>
+        <p:spPr>
+          <a:xfrm>
+            <a:off x="1297500" y="1567550"/>
+            <a:ext cx="7038900" cy="2911200"/>
+          </a:xfrm>
+          <a:prstGeom prst="rect">
+            <a:avLst/>
+          </a:prstGeom>
+        </p:spPr>
+        <p:txBody>
+          <a:bodyPr anchorCtr="0" anchor="t" bIns="91425" lIns="91425" spcFirstLastPara="1" rIns="91425" wrap="square" tIns="91425">
+            <a:normAutofit lnSpcReduction="20000"/>
+          </a:bodyPr>
+          <a:lstStyle/>
+          <a:p>
+            <a:pPr indent="-311150" lvl="0" marL="457200" rtl="0" algn="l">
+              <a:spcBef>
+                <a:spcPts val="0"/>
+              </a:spcBef>
+              <a:spcAft>
+                <a:spcPts val="0"/>
+              </a:spcAft>
+              <a:buSzPts val="1300"/>
+              <a:buChar char="●"/>
+            </a:pPr>
+            <a:r>
+              <a:rPr lang="en"/>
+              <a:t>Link Query Results to Map</a:t>
+            </a:r>
+            <a:endParaRPr/>
+          </a:p>
+          <a:p>
+            <a:pPr indent="-298450" lvl="1" marL="914400" rtl="0" algn="l">
+              <a:spcBef>
+                <a:spcPts val="0"/>
+              </a:spcBef>
+              <a:spcAft>
+                <a:spcPts val="0"/>
+              </a:spcAft>
+              <a:buSzPts val="1100"/>
+              <a:buChar char="○"/>
+            </a:pPr>
+            <a:r>
+              <a:rPr lang="en"/>
+              <a:t>Make every point on the map display crash information</a:t>
+            </a:r>
+            <a:endParaRPr/>
+          </a:p>
+          <a:p>
+            <a:pPr indent="-298450" lvl="1" marL="914400" rtl="0" algn="l">
+              <a:spcBef>
+                <a:spcPts val="0"/>
+              </a:spcBef>
+              <a:spcAft>
+                <a:spcPts val="0"/>
+              </a:spcAft>
+              <a:buSzPts val="1100"/>
+              <a:buChar char="○"/>
+            </a:pPr>
+            <a:r>
+              <a:rPr lang="en"/>
+              <a:t>Implement more advanced filtering</a:t>
+            </a:r>
+            <a:endParaRPr/>
+          </a:p>
+          <a:p>
+            <a:pPr indent="-298450" lvl="1" marL="914400" rtl="0" algn="l">
+              <a:spcBef>
+                <a:spcPts val="0"/>
+              </a:spcBef>
+              <a:spcAft>
+                <a:spcPts val="0"/>
+              </a:spcAft>
+              <a:buSzPts val="1100"/>
+              <a:buChar char="○"/>
+            </a:pPr>
+            <a:r>
+              <a:rPr lang="en"/>
+              <a:t>Planned to be finished by end of this month</a:t>
+            </a:r>
+            <a:endParaRPr/>
+          </a:p>
+          <a:p>
+            <a:pPr indent="-311150" lvl="0" marL="457200" rtl="0" algn="l">
+              <a:spcBef>
+                <a:spcPts val="0"/>
+              </a:spcBef>
+              <a:spcAft>
+                <a:spcPts val="0"/>
+              </a:spcAft>
+              <a:buSzPts val="1300"/>
+              <a:buChar char="●"/>
+            </a:pPr>
+            <a:r>
+              <a:rPr lang="en"/>
+              <a:t>Clean, Tidy, Informative Web Page design</a:t>
+            </a:r>
+            <a:endParaRPr/>
+          </a:p>
+          <a:p>
+            <a:pPr indent="-298450" lvl="1" marL="914400" rtl="0" algn="l">
+              <a:spcBef>
+                <a:spcPts val="0"/>
+              </a:spcBef>
+              <a:spcAft>
+                <a:spcPts val="0"/>
+              </a:spcAft>
+              <a:buSzPts val="1100"/>
+              <a:buChar char="○"/>
+            </a:pPr>
+            <a:r>
+              <a:rPr lang="en"/>
+              <a:t>Make the website look presentable and easy to use</a:t>
+            </a:r>
+            <a:endParaRPr/>
+          </a:p>
+          <a:p>
+            <a:pPr indent="-298450" lvl="1" marL="914400" rtl="0" algn="l">
+              <a:spcBef>
+                <a:spcPts val="0"/>
+              </a:spcBef>
+              <a:spcAft>
+                <a:spcPts val="0"/>
+              </a:spcAft>
+              <a:buSzPts val="1100"/>
+              <a:buChar char="○"/>
+            </a:pPr>
+            <a:r>
+              <a:rPr lang="en"/>
+              <a:t>Planned to be finished by end of this month</a:t>
+            </a:r>
+            <a:endParaRPr/>
+          </a:p>
+          <a:p>
+            <a:pPr indent="-311150" lvl="0" marL="457200" rtl="0" algn="l">
+              <a:spcBef>
+                <a:spcPts val="0"/>
+              </a:spcBef>
+              <a:spcAft>
+                <a:spcPts val="0"/>
+              </a:spcAft>
+              <a:buSzPts val="1300"/>
+              <a:buChar char="●"/>
+            </a:pPr>
+            <a:r>
+              <a:rPr lang="en"/>
+              <a:t>Statistics Page</a:t>
+            </a:r>
+            <a:endParaRPr/>
+          </a:p>
+          <a:p>
+            <a:pPr indent="-298450" lvl="1" marL="914400" rtl="0" algn="l">
+              <a:spcBef>
+                <a:spcPts val="0"/>
+              </a:spcBef>
+              <a:spcAft>
+                <a:spcPts val="0"/>
+              </a:spcAft>
+              <a:buSzPts val="1100"/>
+              <a:buChar char="○"/>
+            </a:pPr>
+            <a:r>
+              <a:rPr lang="en"/>
+              <a:t>Display general statistics according to query dates, location, additional filters.</a:t>
+            </a:r>
+            <a:endParaRPr/>
+          </a:p>
+          <a:p>
+            <a:pPr indent="-298450" lvl="1" marL="914400" rtl="0" algn="l">
+              <a:spcBef>
+                <a:spcPts val="0"/>
+              </a:spcBef>
+              <a:spcAft>
+                <a:spcPts val="0"/>
+              </a:spcAft>
+              <a:buSzPts val="1100"/>
+              <a:buChar char="○"/>
+            </a:pPr>
+            <a:r>
+              <a:rPr lang="en"/>
+              <a:t>Composed of Graphs and basic statistical analysis and trends</a:t>
+            </a:r>
+            <a:endParaRPr/>
+          </a:p>
+          <a:p>
+            <a:pPr indent="-298450" lvl="1" marL="914400" rtl="0" algn="l">
+              <a:spcBef>
+                <a:spcPts val="0"/>
+              </a:spcBef>
+              <a:spcAft>
+                <a:spcPts val="0"/>
+              </a:spcAft>
+              <a:buSzPts val="1100"/>
+              <a:buChar char="○"/>
+            </a:pPr>
+            <a:r>
+              <a:rPr lang="en"/>
+              <a:t>Basic page planned to be finished by end of month, all features by end of November</a:t>
+            </a:r>
+            <a:endParaRPr/>
+          </a:p>
+          <a:p>
+            <a:pPr indent="-311150" lvl="0" marL="457200" rtl="0" algn="l">
+              <a:spcBef>
+                <a:spcPts val="0"/>
+              </a:spcBef>
+              <a:spcAft>
+                <a:spcPts val="0"/>
+              </a:spcAft>
+              <a:buSzPts val="1300"/>
+              <a:buChar char="●"/>
+            </a:pPr>
+            <a:r>
+              <a:rPr lang="en"/>
+              <a:t>AI Prediction (November-December)</a:t>
+            </a:r>
+            <a:endParaRPr/>
+          </a:p>
+          <a:p>
+            <a:pPr indent="-298450" lvl="1" marL="914400" rtl="0" algn="l">
+              <a:spcBef>
+                <a:spcPts val="0"/>
+              </a:spcBef>
+              <a:spcAft>
+                <a:spcPts val="0"/>
+              </a:spcAft>
+              <a:buSzPts val="1100"/>
+              <a:buChar char="○"/>
+            </a:pPr>
+            <a:r>
+              <a:rPr lang="en"/>
+              <a:t>Use machine learning for future trend prediction</a:t>
+            </a:r>
+            <a:endParaRPr/>
+          </a:p>
+          <a:p>
+            <a:pPr indent="-298450" lvl="1" marL="914400" rtl="0" algn="l">
+              <a:spcBef>
+                <a:spcPts val="0"/>
+              </a:spcBef>
+              <a:spcAft>
+                <a:spcPts val="0"/>
+              </a:spcAft>
+              <a:buSzPts val="1100"/>
+              <a:buChar char="○"/>
+            </a:pPr>
+            <a:r>
+              <a:rPr lang="en"/>
+              <a:t>Development to begin start of November, planned completion by December</a:t>
+            </a:r>
+            <a:endParaRPr/>
+          </a:p>
+          <a:p>
+            <a:pPr indent="0" lvl="0" marL="0" rtl="0" algn="l">
+              <a:spcBef>
+                <a:spcPts val="1200"/>
+              </a:spcBef>
+              <a:spcAft>
+                <a:spcPts val="1200"/>
+              </a:spcAft>
+              <a:buNone/>
+            </a:pPr>
+            <a:r>
+              <a:t/>
+            </a:r>
+            <a:endParaRPr/>
+          </a:p>
+        </p:txBody>
+      </p:sp>
+    </p:spTree>
+  </p:cSld>
+  <p:clrMapOvr>
+    <a:masterClrMapping/>
+  </p:clrMapOvr>
+</p:sld>
+</file>
+
+<file path=ppt/slides/slide9.xml><?xml version="1.0" encoding="utf-8"?>
+<p:sld xmlns:a="http://schemas.openxmlformats.org/drawingml/2006/main" xmlns:r="http://schemas.openxmlformats.org/officeDocument/2006/relationships" xmlns:mc="http://schemas.openxmlformats.org/markup-compatibility/2006" xmlns:mv="urn:schemas-microsoft-com:mac:vml" xmlns:p="http://schemas.openxmlformats.org/presentationml/2006/main" xmlns:c="http://schemas.openxmlformats.org/drawingml/2006/chart" xmlns:dgm="http://schemas.openxmlformats.org/drawingml/2006/diagram" xmlns:o="urn:schemas-microsoft-com:office:office" xmlns:v="urn:schemas-microsoft-com:vml" xmlns:pvml="urn:schemas-microsoft-com:office:powerpoint" xmlns:com="http://schemas.openxmlformats.org/drawingml/2006/compatibility" xmlns:p14="http://schemas.microsoft.com/office/powerpoint/2010/main" xmlns:p15="http://schemas.microsoft.com/office/powerpoint/2012/main" xmlns:ahyp="http://schemas.microsoft.com/office/drawing/2018/hyperlinkcolor">
+  <p:cSld>
+    <p:spTree>
+      <p:nvGrpSpPr>
+        <p:cNvPr id="189" name="Shape 189"/>
+        <p:cNvGrpSpPr/>
+        <p:nvPr/>
+      </p:nvGrpSpPr>
+      <p:grpSpPr>
+        <a:xfrm>
+          <a:off x="0" y="0"/>
+          <a:ext cx="0" cy="0"/>
+          <a:chOff x="0" y="0"/>
+          <a:chExt cx="0" cy="0"/>
+        </a:xfrm>
+      </p:grpSpPr>
+      <p:sp>
+        <p:nvSpPr>
+          <p:cNvPr id="190" name="Google Shape;190;p21"/>
           <p:cNvSpPr txBox="1"/>
           <p:nvPr>
             <p:ph type="ctrTitle"/>
@@ -11288,7 +11867,7 @@
       </p:sp>
       <p:sp>
         <p:nvSpPr>
-          <p:cNvPr id="184" name="Google Shape;184;p20"/>
+          <p:cNvPr id="191" name="Google Shape;191;p21"/>
           <p:cNvSpPr txBox="1"/>
           <p:nvPr>
             <p:ph idx="1" type="subTitle"/>

--- a/Progress Screenshots/CalSafe Midterm Presentation.pptx
+++ b/Progress Screenshots/CalSafe Midterm Presentation.pptx
@@ -16,24 +16,23 @@
     <p:sldId id="261" r:id="rId11"/>
     <p:sldId id="262" r:id="rId12"/>
     <p:sldId id="263" r:id="rId13"/>
-    <p:sldId id="264" r:id="rId14"/>
   </p:sldIdLst>
   <p:sldSz cy="5143500" cx="9144000"/>
   <p:notesSz cx="6858000" cy="9144000"/>
   <p:embeddedFontLst>
     <p:embeddedFont>
       <p:font typeface="Montserrat"/>
-      <p:regular r:id="rId15"/>
-      <p:bold r:id="rId16"/>
-      <p:italic r:id="rId17"/>
-      <p:boldItalic r:id="rId18"/>
+      <p:regular r:id="rId14"/>
+      <p:bold r:id="rId15"/>
+      <p:italic r:id="rId16"/>
+      <p:boldItalic r:id="rId17"/>
     </p:embeddedFont>
     <p:embeddedFont>
       <p:font typeface="Lato"/>
-      <p:regular r:id="rId19"/>
-      <p:bold r:id="rId20"/>
-      <p:italic r:id="rId21"/>
-      <p:boldItalic r:id="rId22"/>
+      <p:regular r:id="rId18"/>
+      <p:bold r:id="rId19"/>
+      <p:italic r:id="rId20"/>
+      <p:boldItalic r:id="rId21"/>
     </p:embeddedFont>
   </p:embeddedFontLst>
   <p:defaultTextStyle>
@@ -927,7 +926,7 @@
       </p:grpSpPr>
       <p:sp>
         <p:nvSpPr>
-          <p:cNvPr id="146" name="Google Shape;146;g2fa56f092c6_0_158:notes"/>
+          <p:cNvPr id="146" name="Google Shape;146;g2fa56f092c6_0_130:notes"/>
           <p:cNvSpPr/>
           <p:nvPr>
             <p:ph idx="2" type="sldImg"/>
@@ -962,7 +961,7 @@
       </p:sp>
       <p:sp>
         <p:nvSpPr>
-          <p:cNvPr id="147" name="Google Shape;147;g2fa56f092c6_0_158:notes"/>
+          <p:cNvPr id="147" name="Google Shape;147;g2fa56f092c6_0_130:notes"/>
           <p:cNvSpPr txBox="1"/>
           <p:nvPr>
             <p:ph idx="1" type="body"/>
@@ -1012,7 +1011,7 @@
   <p:cSld>
     <p:spTree>
       <p:nvGrpSpPr>
-        <p:cNvPr id="151" name="Shape 151"/>
+        <p:cNvPr id="152" name="Shape 152"/>
         <p:cNvGrpSpPr/>
         <p:nvPr/>
       </p:nvGrpSpPr>
@@ -1026,7 +1025,7 @@
       </p:grpSpPr>
       <p:sp>
         <p:nvSpPr>
-          <p:cNvPr id="152" name="Google Shape;152;g2fa56f092c6_0_130:notes"/>
+          <p:cNvPr id="153" name="Google Shape;153;g2fa56f092c6_0_135:notes"/>
           <p:cNvSpPr/>
           <p:nvPr>
             <p:ph idx="2" type="sldImg"/>
@@ -1061,7 +1060,7 @@
       </p:sp>
       <p:sp>
         <p:nvSpPr>
-          <p:cNvPr id="153" name="Google Shape;153;g2fa56f092c6_0_130:notes"/>
+          <p:cNvPr id="154" name="Google Shape;154;g2fa56f092c6_0_135:notes"/>
           <p:cNvSpPr txBox="1"/>
           <p:nvPr>
             <p:ph idx="1" type="body"/>
@@ -1111,7 +1110,7 @@
   <p:cSld>
     <p:spTree>
       <p:nvGrpSpPr>
-        <p:cNvPr id="158" name="Shape 158"/>
+        <p:cNvPr id="160" name="Shape 160"/>
         <p:cNvGrpSpPr/>
         <p:nvPr/>
       </p:nvGrpSpPr>
@@ -1125,7 +1124,7 @@
       </p:grpSpPr>
       <p:sp>
         <p:nvSpPr>
-          <p:cNvPr id="159" name="Google Shape;159;g2fa56f092c6_0_135:notes"/>
+          <p:cNvPr id="161" name="Google Shape;161;g2fa56f092c6_0_165:notes"/>
           <p:cNvSpPr/>
           <p:nvPr>
             <p:ph idx="2" type="sldImg"/>
@@ -1160,7 +1159,7 @@
       </p:sp>
       <p:sp>
         <p:nvSpPr>
-          <p:cNvPr id="160" name="Google Shape;160;g2fa56f092c6_0_135:notes"/>
+          <p:cNvPr id="162" name="Google Shape;162;g2fa56f092c6_0_165:notes"/>
           <p:cNvSpPr txBox="1"/>
           <p:nvPr>
             <p:ph idx="1" type="body"/>
@@ -1210,7 +1209,7 @@
   <p:cSld>
     <p:spTree>
       <p:nvGrpSpPr>
-        <p:cNvPr id="166" name="Shape 166"/>
+        <p:cNvPr id="168" name="Shape 168"/>
         <p:cNvGrpSpPr/>
         <p:nvPr/>
       </p:nvGrpSpPr>
@@ -1224,7 +1223,7 @@
       </p:grpSpPr>
       <p:sp>
         <p:nvSpPr>
-          <p:cNvPr id="167" name="Google Shape;167;g2fa56f092c6_0_165:notes"/>
+          <p:cNvPr id="169" name="Google Shape;169;g30b00106dbf_0_0:notes"/>
           <p:cNvSpPr/>
           <p:nvPr>
             <p:ph idx="2" type="sldImg"/>
@@ -1259,7 +1258,7 @@
       </p:sp>
       <p:sp>
         <p:nvSpPr>
-          <p:cNvPr id="168" name="Google Shape;168;g2fa56f092c6_0_165:notes"/>
+          <p:cNvPr id="170" name="Google Shape;170;g30b00106dbf_0_0:notes"/>
           <p:cNvSpPr txBox="1"/>
           <p:nvPr>
             <p:ph idx="1" type="body"/>
@@ -1309,7 +1308,7 @@
   <p:cSld>
     <p:spTree>
       <p:nvGrpSpPr>
-        <p:cNvPr id="174" name="Shape 174"/>
+        <p:cNvPr id="177" name="Shape 177"/>
         <p:cNvGrpSpPr/>
         <p:nvPr/>
       </p:nvGrpSpPr>
@@ -1323,7 +1322,7 @@
       </p:grpSpPr>
       <p:sp>
         <p:nvSpPr>
-          <p:cNvPr id="175" name="Google Shape;175;g30b00106dbf_0_0:notes"/>
+          <p:cNvPr id="178" name="Google Shape;178;g2fa56f092c6_0_140:notes"/>
           <p:cNvSpPr/>
           <p:nvPr>
             <p:ph idx="2" type="sldImg"/>
@@ -1358,7 +1357,7 @@
       </p:sp>
       <p:sp>
         <p:nvSpPr>
-          <p:cNvPr id="176" name="Google Shape;176;g30b00106dbf_0_0:notes"/>
+          <p:cNvPr id="179" name="Google Shape;179;g2fa56f092c6_0_140:notes"/>
           <p:cNvSpPr txBox="1"/>
           <p:nvPr>
             <p:ph idx="1" type="body"/>
@@ -1408,7 +1407,7 @@
   <p:cSld>
     <p:spTree>
       <p:nvGrpSpPr>
-        <p:cNvPr id="180" name="Shape 180"/>
+        <p:cNvPr id="183" name="Shape 183"/>
         <p:cNvGrpSpPr/>
         <p:nvPr/>
       </p:nvGrpSpPr>
@@ -1422,7 +1421,7 @@
       </p:grpSpPr>
       <p:sp>
         <p:nvSpPr>
-          <p:cNvPr id="181" name="Google Shape;181;g2fa56f092c6_0_140:notes"/>
+          <p:cNvPr id="184" name="Google Shape;184;g2fa56f092c6_0_150:notes"/>
           <p:cNvSpPr/>
           <p:nvPr>
             <p:ph idx="2" type="sldImg"/>
@@ -1457,106 +1456,7 @@
       </p:sp>
       <p:sp>
         <p:nvSpPr>
-          <p:cNvPr id="182" name="Google Shape;182;g2fa56f092c6_0_140:notes"/>
-          <p:cNvSpPr txBox="1"/>
-          <p:nvPr>
-            <p:ph idx="1" type="body"/>
-          </p:nvPr>
-        </p:nvSpPr>
-        <p:spPr>
-          <a:xfrm>
-            <a:off x="685800" y="4343400"/>
-            <a:ext cx="5486400" cy="4114800"/>
-          </a:xfrm>
-          <a:prstGeom prst="rect">
-            <a:avLst/>
-          </a:prstGeom>
-        </p:spPr>
-        <p:txBody>
-          <a:bodyPr anchorCtr="0" anchor="t" bIns="91425" lIns="91425" spcFirstLastPara="1" rIns="91425" wrap="square" tIns="91425">
-            <a:noAutofit/>
-          </a:bodyPr>
-          <a:lstStyle/>
-          <a:p>
-            <a:pPr indent="0" lvl="0" marL="0" rtl="0" algn="l">
-              <a:spcBef>
-                <a:spcPts val="0"/>
-              </a:spcBef>
-              <a:spcAft>
-                <a:spcPts val="0"/>
-              </a:spcAft>
-              <a:buNone/>
-            </a:pPr>
-            <a:r>
-              <a:t/>
-            </a:r>
-            <a:endParaRPr/>
-          </a:p>
-        </p:txBody>
-      </p:sp>
-    </p:spTree>
-  </p:cSld>
-  <p:clrMapOvr>
-    <a:masterClrMapping/>
-  </p:clrMapOvr>
-</p:notes>
-</file>
-
-<file path=ppt/notesSlides/notesSlide9.xml><?xml version="1.0" encoding="utf-8"?>
-<p:notes xmlns:a="http://schemas.openxmlformats.org/drawingml/2006/main" xmlns:r="http://schemas.openxmlformats.org/officeDocument/2006/relationships" xmlns:mc="http://schemas.openxmlformats.org/markup-compatibility/2006" xmlns:mv="urn:schemas-microsoft-com:mac:vml" xmlns:p="http://schemas.openxmlformats.org/presentationml/2006/main" xmlns:c="http://schemas.openxmlformats.org/drawingml/2006/chart" xmlns:dgm="http://schemas.openxmlformats.org/drawingml/2006/diagram" xmlns:o="urn:schemas-microsoft-com:office:office" xmlns:v="urn:schemas-microsoft-com:vml" xmlns:pvml="urn:schemas-microsoft-com:office:powerpoint" xmlns:com="http://schemas.openxmlformats.org/drawingml/2006/compatibility" xmlns:p14="http://schemas.microsoft.com/office/powerpoint/2010/main" xmlns:p15="http://schemas.microsoft.com/office/powerpoint/2012/main" xmlns:ahyp="http://schemas.microsoft.com/office/drawing/2018/hyperlinkcolor" showMasterPhAnim="0" showMasterSp="0">
-  <p:cSld>
-    <p:spTree>
-      <p:nvGrpSpPr>
-        <p:cNvPr id="186" name="Shape 186"/>
-        <p:cNvGrpSpPr/>
-        <p:nvPr/>
-      </p:nvGrpSpPr>
-      <p:grpSpPr>
-        <a:xfrm>
-          <a:off x="0" y="0"/>
-          <a:ext cx="0" cy="0"/>
-          <a:chOff x="0" y="0"/>
-          <a:chExt cx="0" cy="0"/>
-        </a:xfrm>
-      </p:grpSpPr>
-      <p:sp>
-        <p:nvSpPr>
-          <p:cNvPr id="187" name="Google Shape;187;g2fa56f092c6_0_150:notes"/>
-          <p:cNvSpPr/>
-          <p:nvPr>
-            <p:ph idx="2" type="sldImg"/>
-          </p:nvPr>
-        </p:nvSpPr>
-        <p:spPr>
-          <a:xfrm>
-            <a:off x="381300" y="685800"/>
-            <a:ext cx="6096000" cy="3429000"/>
-          </a:xfrm>
-          <a:custGeom>
-            <a:rect b="b" l="l" r="r" t="t"/>
-            <a:pathLst>
-              <a:path extrusionOk="0" h="120000" w="120000">
-                <a:moveTo>
-                  <a:pt x="0" y="0"/>
-                </a:moveTo>
-                <a:lnTo>
-                  <a:pt x="120000" y="0"/>
-                </a:lnTo>
-                <a:lnTo>
-                  <a:pt x="120000" y="120000"/>
-                </a:lnTo>
-                <a:lnTo>
-                  <a:pt x="0" y="120000"/>
-                </a:lnTo>
-                <a:close/>
-              </a:path>
-            </a:pathLst>
-          </a:custGeom>
-        </p:spPr>
-      </p:sp>
-      <p:sp>
-        <p:nvSpPr>
-          <p:cNvPr id="188" name="Google Shape;188;g2fa56f092c6_0_150:notes"/>
+          <p:cNvPr id="185" name="Google Shape;185;g2fa56f092c6_0_150:notes"/>
           <p:cNvSpPr txBox="1"/>
           <p:nvPr>
             <p:ph idx="1" type="body"/>
@@ -10404,7 +10304,7 @@
             </a:pPr>
             <a:r>
               <a:rPr lang="en"/>
-              <a:t>Team Member Roles</a:t>
+              <a:t>Implementation Details</a:t>
             </a:r>
             <a:endParaRPr/>
           </a:p>
@@ -10413,214 +10313,6 @@
       <p:sp>
         <p:nvSpPr>
           <p:cNvPr id="150" name="Google Shape;150;p15"/>
-          <p:cNvSpPr txBox="1"/>
-          <p:nvPr>
-            <p:ph idx="1" type="body"/>
-          </p:nvPr>
-        </p:nvSpPr>
-        <p:spPr>
-          <a:xfrm>
-            <a:off x="1297500" y="1370925"/>
-            <a:ext cx="5241900" cy="3107700"/>
-          </a:xfrm>
-          <a:prstGeom prst="rect">
-            <a:avLst/>
-          </a:prstGeom>
-        </p:spPr>
-        <p:txBody>
-          <a:bodyPr anchorCtr="0" anchor="t" bIns="91425" lIns="91425" spcFirstLastPara="1" rIns="91425" wrap="square" tIns="91425">
-            <a:normAutofit/>
-          </a:bodyPr>
-          <a:lstStyle/>
-          <a:p>
-            <a:pPr indent="-311150" lvl="0" marL="457200" rtl="0" algn="l">
-              <a:spcBef>
-                <a:spcPts val="0"/>
-              </a:spcBef>
-              <a:spcAft>
-                <a:spcPts val="0"/>
-              </a:spcAft>
-              <a:buSzPts val="1300"/>
-              <a:buChar char="●"/>
-            </a:pPr>
-            <a:r>
-              <a:rPr lang="en"/>
-              <a:t>Kyle O’Kelley</a:t>
-            </a:r>
-            <a:endParaRPr/>
-          </a:p>
-          <a:p>
-            <a:pPr indent="-298450" lvl="1" marL="914400" rtl="0" algn="l">
-              <a:spcBef>
-                <a:spcPts val="0"/>
-              </a:spcBef>
-              <a:spcAft>
-                <a:spcPts val="0"/>
-              </a:spcAft>
-              <a:buSzPts val="1100"/>
-              <a:buChar char="○"/>
-            </a:pPr>
-            <a:r>
-              <a:rPr lang="en"/>
-              <a:t>Frontend Development</a:t>
-            </a:r>
-            <a:endParaRPr/>
-          </a:p>
-          <a:p>
-            <a:pPr indent="-311150" lvl="0" marL="457200" rtl="0" algn="l">
-              <a:spcBef>
-                <a:spcPts val="0"/>
-              </a:spcBef>
-              <a:spcAft>
-                <a:spcPts val="0"/>
-              </a:spcAft>
-              <a:buSzPts val="1300"/>
-              <a:buChar char="●"/>
-            </a:pPr>
-            <a:r>
-              <a:rPr lang="en"/>
-              <a:t>Henry Dinh</a:t>
-            </a:r>
-            <a:endParaRPr/>
-          </a:p>
-          <a:p>
-            <a:pPr indent="-298450" lvl="1" marL="914400" rtl="0" algn="l">
-              <a:spcBef>
-                <a:spcPts val="0"/>
-              </a:spcBef>
-              <a:spcAft>
-                <a:spcPts val="0"/>
-              </a:spcAft>
-              <a:buSzPts val="1100"/>
-              <a:buChar char="○"/>
-            </a:pPr>
-            <a:r>
-              <a:rPr lang="en"/>
-              <a:t>Backend Development</a:t>
-            </a:r>
-            <a:endParaRPr/>
-          </a:p>
-          <a:p>
-            <a:pPr indent="-298450" lvl="1" marL="914400" rtl="0" algn="l">
-              <a:spcBef>
-                <a:spcPts val="0"/>
-              </a:spcBef>
-              <a:spcAft>
-                <a:spcPts val="0"/>
-              </a:spcAft>
-              <a:buSzPts val="1100"/>
-              <a:buChar char="○"/>
-            </a:pPr>
-            <a:r>
-              <a:rPr lang="en"/>
-              <a:t>Flex Frontend Development (When needed)</a:t>
-            </a:r>
-            <a:endParaRPr/>
-          </a:p>
-          <a:p>
-            <a:pPr indent="-311150" lvl="0" marL="457200" rtl="0" algn="l">
-              <a:spcBef>
-                <a:spcPts val="0"/>
-              </a:spcBef>
-              <a:spcAft>
-                <a:spcPts val="0"/>
-              </a:spcAft>
-              <a:buSzPts val="1300"/>
-              <a:buChar char="●"/>
-            </a:pPr>
-            <a:r>
-              <a:rPr lang="en"/>
-              <a:t>Sohrab Bahari</a:t>
-            </a:r>
-            <a:endParaRPr/>
-          </a:p>
-          <a:p>
-            <a:pPr indent="-298450" lvl="1" marL="914400" rtl="0" algn="l">
-              <a:spcBef>
-                <a:spcPts val="0"/>
-              </a:spcBef>
-              <a:spcAft>
-                <a:spcPts val="0"/>
-              </a:spcAft>
-              <a:buSzPts val="1100"/>
-              <a:buChar char="○"/>
-            </a:pPr>
-            <a:r>
-              <a:rPr lang="en"/>
-              <a:t>Backend Development</a:t>
-            </a:r>
-            <a:endParaRPr/>
-          </a:p>
-        </p:txBody>
-      </p:sp>
-    </p:spTree>
-  </p:cSld>
-  <p:clrMapOvr>
-    <a:masterClrMapping/>
-  </p:clrMapOvr>
-</p:sld>
-</file>
-
-<file path=ppt/slides/slide4.xml><?xml version="1.0" encoding="utf-8"?>
-<p:sld xmlns:a="http://schemas.openxmlformats.org/drawingml/2006/main" xmlns:r="http://schemas.openxmlformats.org/officeDocument/2006/relationships" xmlns:mc="http://schemas.openxmlformats.org/markup-compatibility/2006" xmlns:mv="urn:schemas-microsoft-com:mac:vml" xmlns:p="http://schemas.openxmlformats.org/presentationml/2006/main" xmlns:c="http://schemas.openxmlformats.org/drawingml/2006/chart" xmlns:dgm="http://schemas.openxmlformats.org/drawingml/2006/diagram" xmlns:o="urn:schemas-microsoft-com:office:office" xmlns:v="urn:schemas-microsoft-com:vml" xmlns:pvml="urn:schemas-microsoft-com:office:powerpoint" xmlns:com="http://schemas.openxmlformats.org/drawingml/2006/compatibility" xmlns:p14="http://schemas.microsoft.com/office/powerpoint/2010/main" xmlns:p15="http://schemas.microsoft.com/office/powerpoint/2012/main" xmlns:ahyp="http://schemas.microsoft.com/office/drawing/2018/hyperlinkcolor">
-  <p:cSld>
-    <p:spTree>
-      <p:nvGrpSpPr>
-        <p:cNvPr id="154" name="Shape 154"/>
-        <p:cNvGrpSpPr/>
-        <p:nvPr/>
-      </p:nvGrpSpPr>
-      <p:grpSpPr>
-        <a:xfrm>
-          <a:off x="0" y="0"/>
-          <a:ext cx="0" cy="0"/>
-          <a:chOff x="0" y="0"/>
-          <a:chExt cx="0" cy="0"/>
-        </a:xfrm>
-      </p:grpSpPr>
-      <p:sp>
-        <p:nvSpPr>
-          <p:cNvPr id="155" name="Google Shape;155;p16"/>
-          <p:cNvSpPr txBox="1"/>
-          <p:nvPr>
-            <p:ph type="title"/>
-          </p:nvPr>
-        </p:nvSpPr>
-        <p:spPr>
-          <a:xfrm>
-            <a:off x="1297500" y="393750"/>
-            <a:ext cx="7038900" cy="914100"/>
-          </a:xfrm>
-          <a:prstGeom prst="rect">
-            <a:avLst/>
-          </a:prstGeom>
-        </p:spPr>
-        <p:txBody>
-          <a:bodyPr anchorCtr="0" anchor="t" bIns="91425" lIns="91425" spcFirstLastPara="1" rIns="91425" wrap="square" tIns="91425">
-            <a:normAutofit/>
-          </a:bodyPr>
-          <a:lstStyle/>
-          <a:p>
-            <a:pPr indent="0" lvl="0" marL="0" rtl="0" algn="l">
-              <a:spcBef>
-                <a:spcPts val="0"/>
-              </a:spcBef>
-              <a:spcAft>
-                <a:spcPts val="0"/>
-              </a:spcAft>
-              <a:buNone/>
-            </a:pPr>
-            <a:r>
-              <a:rPr lang="en"/>
-              <a:t>Implementation Details</a:t>
-            </a:r>
-            <a:endParaRPr/>
-          </a:p>
-        </p:txBody>
-      </p:sp>
-      <p:sp>
-        <p:nvSpPr>
-          <p:cNvPr id="156" name="Google Shape;156;p16"/>
           <p:cNvSpPr txBox="1"/>
           <p:nvPr>
             <p:ph idx="1" type="body"/>
@@ -10721,24 +10413,7 @@
             </a:pPr>
             <a:r>
               <a:rPr lang="en"/>
-              <a:t>TypeScript</a:t>
-            </a:r>
-            <a:endParaRPr/>
-          </a:p>
-          <a:p>
-            <a:pPr indent="-298450" lvl="2" marL="1371600" rtl="0" algn="l">
-              <a:spcBef>
-                <a:spcPts val="0"/>
-              </a:spcBef>
-              <a:spcAft>
-                <a:spcPts val="0"/>
-              </a:spcAft>
-              <a:buSzPts val="1100"/>
-              <a:buChar char="■"/>
-            </a:pPr>
-            <a:r>
-              <a:rPr lang="en"/>
-              <a:t>JavaScript</a:t>
+              <a:t>TypeScript/JavaScript</a:t>
             </a:r>
             <a:endParaRPr/>
           </a:p>
@@ -10880,7 +10555,7 @@
       </p:sp>
       <p:pic>
         <p:nvPicPr>
-          <p:cNvPr id="157" name="Google Shape;157;p16"/>
+          <p:cNvPr id="151" name="Google Shape;151;p15"/>
           <p:cNvPicPr preferRelativeResize="0"/>
           <p:nvPr/>
         </p:nvPicPr>
@@ -10914,12 +10589,12 @@
 </p:sld>
 </file>
 
-<file path=ppt/slides/slide5.xml><?xml version="1.0" encoding="utf-8"?>
+<file path=ppt/slides/slide4.xml><?xml version="1.0" encoding="utf-8"?>
 <p:sld xmlns:a="http://schemas.openxmlformats.org/drawingml/2006/main" xmlns:r="http://schemas.openxmlformats.org/officeDocument/2006/relationships" xmlns:mc="http://schemas.openxmlformats.org/markup-compatibility/2006" xmlns:mv="urn:schemas-microsoft-com:mac:vml" xmlns:p="http://schemas.openxmlformats.org/presentationml/2006/main" xmlns:c="http://schemas.openxmlformats.org/drawingml/2006/chart" xmlns:dgm="http://schemas.openxmlformats.org/drawingml/2006/diagram" xmlns:o="urn:schemas-microsoft-com:office:office" xmlns:v="urn:schemas-microsoft-com:vml" xmlns:pvml="urn:schemas-microsoft-com:office:powerpoint" xmlns:com="http://schemas.openxmlformats.org/drawingml/2006/compatibility" xmlns:p14="http://schemas.microsoft.com/office/powerpoint/2010/main" xmlns:p15="http://schemas.microsoft.com/office/powerpoint/2012/main" xmlns:ahyp="http://schemas.microsoft.com/office/drawing/2018/hyperlinkcolor">
   <p:cSld>
     <p:spTree>
       <p:nvGrpSpPr>
-        <p:cNvPr id="161" name="Shape 161"/>
+        <p:cNvPr id="155" name="Shape 155"/>
         <p:cNvGrpSpPr/>
         <p:nvPr/>
       </p:nvGrpSpPr>
@@ -10933,7 +10608,7 @@
       </p:grpSpPr>
       <p:sp>
         <p:nvSpPr>
-          <p:cNvPr id="162" name="Google Shape;162;p17"/>
+          <p:cNvPr id="156" name="Google Shape;156;p16"/>
           <p:cNvSpPr txBox="1"/>
           <p:nvPr>
             <p:ph type="title"/>
@@ -10973,7 +10648,7 @@
       </p:sp>
       <p:sp>
         <p:nvSpPr>
-          <p:cNvPr id="163" name="Google Shape;163;p17"/>
+          <p:cNvPr id="157" name="Google Shape;157;p16"/>
           <p:cNvSpPr txBox="1"/>
           <p:nvPr>
             <p:ph idx="1" type="body"/>
@@ -11017,7 +10692,7 @@
       </p:sp>
       <p:pic>
         <p:nvPicPr>
-          <p:cNvPr id="164" name="Google Shape;164;p17"/>
+          <p:cNvPr id="158" name="Google Shape;158;p16"/>
           <p:cNvPicPr preferRelativeResize="0"/>
           <p:nvPr/>
         </p:nvPicPr>
@@ -11045,7 +10720,7 @@
       </p:pic>
       <p:pic>
         <p:nvPicPr>
-          <p:cNvPr id="165" name="Google Shape;165;p17"/>
+          <p:cNvPr id="159" name="Google Shape;159;p16"/>
           <p:cNvPicPr preferRelativeResize="0"/>
           <p:nvPr/>
         </p:nvPicPr>
@@ -11079,12 +10754,12 @@
 </p:sld>
 </file>
 
-<file path=ppt/slides/slide6.xml><?xml version="1.0" encoding="utf-8"?>
+<file path=ppt/slides/slide5.xml><?xml version="1.0" encoding="utf-8"?>
 <p:sld xmlns:a="http://schemas.openxmlformats.org/drawingml/2006/main" xmlns:r="http://schemas.openxmlformats.org/officeDocument/2006/relationships" xmlns:mc="http://schemas.openxmlformats.org/markup-compatibility/2006" xmlns:mv="urn:schemas-microsoft-com:mac:vml" xmlns:p="http://schemas.openxmlformats.org/presentationml/2006/main" xmlns:c="http://schemas.openxmlformats.org/drawingml/2006/chart" xmlns:dgm="http://schemas.openxmlformats.org/drawingml/2006/diagram" xmlns:o="urn:schemas-microsoft-com:office:office" xmlns:v="urn:schemas-microsoft-com:vml" xmlns:pvml="urn:schemas-microsoft-com:office:powerpoint" xmlns:com="http://schemas.openxmlformats.org/drawingml/2006/compatibility" xmlns:p14="http://schemas.microsoft.com/office/powerpoint/2010/main" xmlns:p15="http://schemas.microsoft.com/office/powerpoint/2012/main" xmlns:ahyp="http://schemas.microsoft.com/office/drawing/2018/hyperlinkcolor">
   <p:cSld>
     <p:spTree>
       <p:nvGrpSpPr>
-        <p:cNvPr id="169" name="Shape 169"/>
+        <p:cNvPr id="163" name="Shape 163"/>
         <p:cNvGrpSpPr/>
         <p:nvPr/>
       </p:nvGrpSpPr>
@@ -11098,7 +10773,7 @@
       </p:grpSpPr>
       <p:sp>
         <p:nvSpPr>
-          <p:cNvPr id="170" name="Google Shape;170;p18"/>
+          <p:cNvPr id="164" name="Google Shape;164;p17"/>
           <p:cNvSpPr txBox="1"/>
           <p:nvPr>
             <p:ph type="title"/>
@@ -11138,7 +10813,7 @@
       </p:sp>
       <p:sp>
         <p:nvSpPr>
-          <p:cNvPr id="171" name="Google Shape;171;p18"/>
+          <p:cNvPr id="165" name="Google Shape;165;p17"/>
           <p:cNvSpPr txBox="1"/>
           <p:nvPr>
             <p:ph idx="1" type="body"/>
@@ -11179,7 +10854,7 @@
       </p:sp>
       <p:pic>
         <p:nvPicPr>
-          <p:cNvPr id="172" name="Google Shape;172;p18"/>
+          <p:cNvPr id="166" name="Google Shape;166;p17"/>
           <p:cNvPicPr preferRelativeResize="0"/>
           <p:nvPr/>
         </p:nvPicPr>
@@ -11207,7 +10882,7 @@
       </p:pic>
       <p:pic>
         <p:nvPicPr>
-          <p:cNvPr id="173" name="Google Shape;173;p18"/>
+          <p:cNvPr id="167" name="Google Shape;167;p17"/>
           <p:cNvPicPr preferRelativeResize="0"/>
           <p:nvPr/>
         </p:nvPicPr>
@@ -11241,12 +10916,12 @@
 </p:sld>
 </file>
 
-<file path=ppt/slides/slide7.xml><?xml version="1.0" encoding="utf-8"?>
+<file path=ppt/slides/slide6.xml><?xml version="1.0" encoding="utf-8"?>
 <p:sld xmlns:a="http://schemas.openxmlformats.org/drawingml/2006/main" xmlns:r="http://schemas.openxmlformats.org/officeDocument/2006/relationships" xmlns:mc="http://schemas.openxmlformats.org/markup-compatibility/2006" xmlns:mv="urn:schemas-microsoft-com:mac:vml" xmlns:p="http://schemas.openxmlformats.org/presentationml/2006/main" xmlns:c="http://schemas.openxmlformats.org/drawingml/2006/chart" xmlns:dgm="http://schemas.openxmlformats.org/drawingml/2006/diagram" xmlns:o="urn:schemas-microsoft-com:office:office" xmlns:v="urn:schemas-microsoft-com:vml" xmlns:pvml="urn:schemas-microsoft-com:office:powerpoint" xmlns:com="http://schemas.openxmlformats.org/drawingml/2006/compatibility" xmlns:p14="http://schemas.microsoft.com/office/powerpoint/2010/main" xmlns:p15="http://schemas.microsoft.com/office/powerpoint/2012/main" xmlns:ahyp="http://schemas.microsoft.com/office/drawing/2018/hyperlinkcolor">
   <p:cSld>
     <p:spTree>
       <p:nvGrpSpPr>
-        <p:cNvPr id="177" name="Shape 177"/>
+        <p:cNvPr id="171" name="Shape 171"/>
         <p:cNvGrpSpPr/>
         <p:nvPr/>
       </p:nvGrpSpPr>
@@ -11260,7 +10935,7 @@
       </p:grpSpPr>
       <p:sp>
         <p:nvSpPr>
-          <p:cNvPr id="178" name="Google Shape;178;p19"/>
+          <p:cNvPr id="172" name="Google Shape;172;p18"/>
           <p:cNvSpPr txBox="1"/>
           <p:nvPr>
             <p:ph type="title"/>
@@ -11300,7 +10975,7 @@
       </p:sp>
       <p:sp>
         <p:nvSpPr>
-          <p:cNvPr id="179" name="Google Shape;179;p19"/>
+          <p:cNvPr id="173" name="Google Shape;173;p18"/>
           <p:cNvSpPr txBox="1"/>
           <p:nvPr>
             <p:ph idx="1" type="body"/>
@@ -11308,7 +10983,7 @@
         </p:nvSpPr>
         <p:spPr>
           <a:xfrm>
-            <a:off x="1297500" y="1567550"/>
+            <a:off x="817175" y="1552550"/>
             <a:ext cx="7038900" cy="2911200"/>
           </a:xfrm>
           <a:prstGeom prst="rect">
@@ -11458,6 +11133,90 @@
           </a:p>
         </p:txBody>
       </p:sp>
+      <p:pic>
+        <p:nvPicPr>
+          <p:cNvPr id="174" name="Google Shape;174;p18"/>
+          <p:cNvPicPr preferRelativeResize="0"/>
+          <p:nvPr/>
+        </p:nvPicPr>
+        <p:blipFill>
+          <a:blip r:embed="rId3">
+            <a:alphaModFix/>
+          </a:blip>
+          <a:stretch>
+            <a:fillRect/>
+          </a:stretch>
+        </p:blipFill>
+        <p:spPr>
+          <a:xfrm>
+            <a:off x="2938725" y="3738950"/>
+            <a:ext cx="2021665" cy="1210150"/>
+          </a:xfrm>
+          <a:prstGeom prst="rect">
+            <a:avLst/>
+          </a:prstGeom>
+          <a:noFill/>
+          <a:ln>
+            <a:noFill/>
+          </a:ln>
+        </p:spPr>
+      </p:pic>
+      <p:pic>
+        <p:nvPicPr>
+          <p:cNvPr id="175" name="Google Shape;175;p18"/>
+          <p:cNvPicPr preferRelativeResize="0"/>
+          <p:nvPr/>
+        </p:nvPicPr>
+        <p:blipFill>
+          <a:blip r:embed="rId4">
+            <a:alphaModFix/>
+          </a:blip>
+          <a:stretch>
+            <a:fillRect/>
+          </a:stretch>
+        </p:blipFill>
+        <p:spPr>
+          <a:xfrm>
+            <a:off x="5095500" y="1180450"/>
+            <a:ext cx="3828151" cy="3637824"/>
+          </a:xfrm>
+          <a:prstGeom prst="rect">
+            <a:avLst/>
+          </a:prstGeom>
+          <a:noFill/>
+          <a:ln>
+            <a:noFill/>
+          </a:ln>
+        </p:spPr>
+      </p:pic>
+      <p:pic>
+        <p:nvPicPr>
+          <p:cNvPr id="176" name="Google Shape;176;p18"/>
+          <p:cNvPicPr preferRelativeResize="0"/>
+          <p:nvPr/>
+        </p:nvPicPr>
+        <p:blipFill>
+          <a:blip r:embed="rId5">
+            <a:alphaModFix/>
+          </a:blip>
+          <a:stretch>
+            <a:fillRect/>
+          </a:stretch>
+        </p:blipFill>
+        <p:spPr>
+          <a:xfrm>
+            <a:off x="3151225" y="1190825"/>
+            <a:ext cx="1809175" cy="2361600"/>
+          </a:xfrm>
+          <a:prstGeom prst="rect">
+            <a:avLst/>
+          </a:prstGeom>
+          <a:noFill/>
+          <a:ln>
+            <a:noFill/>
+          </a:ln>
+        </p:spPr>
+      </p:pic>
     </p:spTree>
   </p:cSld>
   <p:clrMapOvr>
@@ -11466,12 +11225,12 @@
 </p:sld>
 </file>
 
-<file path=ppt/slides/slide8.xml><?xml version="1.0" encoding="utf-8"?>
+<file path=ppt/slides/slide7.xml><?xml version="1.0" encoding="utf-8"?>
 <p:sld xmlns:a="http://schemas.openxmlformats.org/drawingml/2006/main" xmlns:r="http://schemas.openxmlformats.org/officeDocument/2006/relationships" xmlns:mc="http://schemas.openxmlformats.org/markup-compatibility/2006" xmlns:mv="urn:schemas-microsoft-com:mac:vml" xmlns:p="http://schemas.openxmlformats.org/presentationml/2006/main" xmlns:c="http://schemas.openxmlformats.org/drawingml/2006/chart" xmlns:dgm="http://schemas.openxmlformats.org/drawingml/2006/diagram" xmlns:o="urn:schemas-microsoft-com:office:office" xmlns:v="urn:schemas-microsoft-com:vml" xmlns:pvml="urn:schemas-microsoft-com:office:powerpoint" xmlns:com="http://schemas.openxmlformats.org/drawingml/2006/compatibility" xmlns:p14="http://schemas.microsoft.com/office/powerpoint/2010/main" xmlns:p15="http://schemas.microsoft.com/office/powerpoint/2012/main" xmlns:ahyp="http://schemas.microsoft.com/office/drawing/2018/hyperlinkcolor">
   <p:cSld>
     <p:spTree>
       <p:nvGrpSpPr>
-        <p:cNvPr id="183" name="Shape 183"/>
+        <p:cNvPr id="180" name="Shape 180"/>
         <p:cNvGrpSpPr/>
         <p:nvPr/>
       </p:nvGrpSpPr>
@@ -11485,7 +11244,7 @@
       </p:grpSpPr>
       <p:sp>
         <p:nvSpPr>
-          <p:cNvPr id="184" name="Google Shape;184;p20"/>
+          <p:cNvPr id="181" name="Google Shape;181;p19"/>
           <p:cNvSpPr txBox="1"/>
           <p:nvPr>
             <p:ph type="title"/>
@@ -11525,7 +11284,7 @@
       </p:sp>
       <p:sp>
         <p:nvSpPr>
-          <p:cNvPr id="185" name="Google Shape;185;p20"/>
+          <p:cNvPr id="182" name="Google Shape;182;p19"/>
           <p:cNvSpPr txBox="1"/>
           <p:nvPr>
             <p:ph idx="1" type="body"/>
@@ -11808,12 +11567,12 @@
 </p:sld>
 </file>
 
-<file path=ppt/slides/slide9.xml><?xml version="1.0" encoding="utf-8"?>
+<file path=ppt/slides/slide8.xml><?xml version="1.0" encoding="utf-8"?>
 <p:sld xmlns:a="http://schemas.openxmlformats.org/drawingml/2006/main" xmlns:r="http://schemas.openxmlformats.org/officeDocument/2006/relationships" xmlns:mc="http://schemas.openxmlformats.org/markup-compatibility/2006" xmlns:mv="urn:schemas-microsoft-com:mac:vml" xmlns:p="http://schemas.openxmlformats.org/presentationml/2006/main" xmlns:c="http://schemas.openxmlformats.org/drawingml/2006/chart" xmlns:dgm="http://schemas.openxmlformats.org/drawingml/2006/diagram" xmlns:o="urn:schemas-microsoft-com:office:office" xmlns:v="urn:schemas-microsoft-com:vml" xmlns:pvml="urn:schemas-microsoft-com:office:powerpoint" xmlns:com="http://schemas.openxmlformats.org/drawingml/2006/compatibility" xmlns:p14="http://schemas.microsoft.com/office/powerpoint/2010/main" xmlns:p15="http://schemas.microsoft.com/office/powerpoint/2012/main" xmlns:ahyp="http://schemas.microsoft.com/office/drawing/2018/hyperlinkcolor">
   <p:cSld>
     <p:spTree>
       <p:nvGrpSpPr>
-        <p:cNvPr id="189" name="Shape 189"/>
+        <p:cNvPr id="186" name="Shape 186"/>
         <p:cNvGrpSpPr/>
         <p:nvPr/>
       </p:nvGrpSpPr>
@@ -11827,7 +11586,7 @@
       </p:grpSpPr>
       <p:sp>
         <p:nvSpPr>
-          <p:cNvPr id="190" name="Google Shape;190;p21"/>
+          <p:cNvPr id="187" name="Google Shape;187;p20"/>
           <p:cNvSpPr txBox="1"/>
           <p:nvPr>
             <p:ph type="ctrTitle"/>
@@ -11867,7 +11626,7 @@
       </p:sp>
       <p:sp>
         <p:nvSpPr>
-          <p:cNvPr id="191" name="Google Shape;191;p21"/>
+          <p:cNvPr id="188" name="Google Shape;188;p20"/>
           <p:cNvSpPr txBox="1"/>
           <p:nvPr>
             <p:ph idx="1" type="subTitle"/>
